--- a/课程PPT/13.JS对象综述.pptx
+++ b/课程PPT/13.JS对象综述.pptx
@@ -5,21 +5,21 @@
     <p:sldMasterId id="2147483648" r:id="rId1"/>
   </p:sldMasterIdLst>
   <p:notesMasterIdLst>
-    <p:notesMasterId r:id="rId14"/>
+    <p:notesMasterId r:id="rId6"/>
   </p:notesMasterIdLst>
   <p:sldIdLst>
-    <p:sldId id="1273" r:id="rId2"/>
-    <p:sldId id="1274" r:id="rId3"/>
-    <p:sldId id="1276" r:id="rId4"/>
-    <p:sldId id="1277" r:id="rId5"/>
-    <p:sldId id="1324" r:id="rId6"/>
-    <p:sldId id="1278" r:id="rId7"/>
-    <p:sldId id="1279" r:id="rId8"/>
-    <p:sldId id="1364" r:id="rId9"/>
-    <p:sldId id="1280" r:id="rId10"/>
-    <p:sldId id="1281" r:id="rId11"/>
-    <p:sldId id="1297" r:id="rId12"/>
-    <p:sldId id="1275" r:id="rId13"/>
+    <p:sldId id="1273" r:id="rId3"/>
+    <p:sldId id="1274" r:id="rId4"/>
+    <p:sldId id="1276" r:id="rId5"/>
+    <p:sldId id="1277" r:id="rId7"/>
+    <p:sldId id="1324" r:id="rId8"/>
+    <p:sldId id="1278" r:id="rId9"/>
+    <p:sldId id="1279" r:id="rId10"/>
+    <p:sldId id="1364" r:id="rId11"/>
+    <p:sldId id="1280" r:id="rId12"/>
+    <p:sldId id="1281" r:id="rId13"/>
+    <p:sldId id="1297" r:id="rId14"/>
+    <p:sldId id="1369" r:id="rId15"/>
   </p:sldIdLst>
   <p:sldSz cx="12192000" cy="6858000"/>
   <p:notesSz cx="6797675" cy="9928225"/>
@@ -338,6 +338,7 @@
               <a:rPr lang="zh-CN" altLang="zh-CN" noProof="0" smtClean="0"/>
               <a:t>                                                   </a:t>
             </a:r>
+            <a:endParaRPr lang="zh-CN" altLang="zh-CN" noProof="0" smtClean="0"/>
           </a:p>
           <a:p>
             <a:pPr lvl="1"/>
@@ -345,6 +346,7 @@
               <a:rPr lang="zh-CN" altLang="zh-CN" noProof="0" smtClean="0"/>
               <a:t>               </a:t>
             </a:r>
+            <a:endParaRPr lang="zh-CN" altLang="zh-CN" noProof="0" smtClean="0"/>
           </a:p>
           <a:p>
             <a:pPr lvl="2"/>
@@ -352,6 +354,7 @@
               <a:rPr lang="zh-CN" altLang="zh-CN" noProof="0" smtClean="0"/>
               <a:t>                </a:t>
             </a:r>
+            <a:endParaRPr lang="zh-CN" altLang="zh-CN" noProof="0" smtClean="0"/>
           </a:p>
           <a:p>
             <a:pPr lvl="3"/>
@@ -359,6 +362,7 @@
               <a:rPr lang="zh-CN" altLang="zh-CN" noProof="0" smtClean="0"/>
               <a:t>                </a:t>
             </a:r>
+            <a:endParaRPr lang="zh-CN" altLang="zh-CN" noProof="0" smtClean="0"/>
           </a:p>
           <a:p>
             <a:pPr lvl="4"/>
@@ -366,6 +370,7 @@
               <a:rPr lang="zh-CN" altLang="zh-CN" noProof="0" smtClean="0"/>
               <a:t>                </a:t>
             </a:r>
+            <a:endParaRPr lang="zh-CN" altLang="zh-CN" noProof="0" smtClean="0"/>
           </a:p>
         </p:txBody>
       </p:sp>
@@ -448,18 +453,12 @@
           <a:p>
             <a:fld id="{D9AFD278-84AA-4CAA-9049-809825956FE0}" type="slidenum">
               <a:rPr lang="en-US" altLang="zh-CN"/>
-              <a:t>‹#›</a:t>
             </a:fld>
             <a:endParaRPr lang="zh-CN" altLang="zh-CN"/>
           </a:p>
         </p:txBody>
       </p:sp>
     </p:spTree>
-    <p:extLst>
-      <p:ext uri="{BB962C8B-B14F-4D97-AF65-F5344CB8AC3E}">
-        <p14:creationId xmlns:p14="http://schemas.microsoft.com/office/powerpoint/2010/main" val="185313325"/>
-      </p:ext>
-    </p:extLst>
   </p:cSld>
   <p:clrMap bg1="lt1" tx1="dk1" bg2="lt2" tx2="dk2" accent1="accent1" accent2="accent2" accent3="accent3" accent4="accent4" accent5="accent5" accent6="accent6" hlink="hlink" folHlink="folHlink"/>
   <p:notesStyle>
@@ -658,7 +657,6 @@
             </a:pPr>
             <a:fld id="{50FA7BE5-9B7D-4F20-881C-9A0B90E6FF72}" type="slidenum">
               <a:rPr lang="zh-CN" altLang="zh-CN" smtClean="0"/>
-              <a:t>3</a:t>
             </a:fld>
             <a:endParaRPr lang="zh-CN" altLang="zh-CN"/>
           </a:p>
@@ -743,7 +741,6 @@
             </a:pPr>
             <a:fld id="{50FA7BE5-9B7D-4F20-881C-9A0B90E6FF72}" type="slidenum">
               <a:rPr lang="zh-CN" altLang="zh-CN" smtClean="0"/>
-              <a:t>4</a:t>
             </a:fld>
             <a:endParaRPr lang="zh-CN" altLang="zh-CN"/>
           </a:p>
@@ -828,7 +825,6 @@
             </a:pPr>
             <a:fld id="{50FA7BE5-9B7D-4F20-881C-9A0B90E6FF72}" type="slidenum">
               <a:rPr lang="zh-CN" altLang="zh-CN" smtClean="0"/>
-              <a:t>5</a:t>
             </a:fld>
             <a:endParaRPr lang="zh-CN" altLang="zh-CN"/>
           </a:p>
@@ -913,7 +909,6 @@
             </a:pPr>
             <a:fld id="{50FA7BE5-9B7D-4F20-881C-9A0B90E6FF72}" type="slidenum">
               <a:rPr lang="zh-CN" altLang="zh-CN" smtClean="0"/>
-              <a:t>7</a:t>
             </a:fld>
             <a:endParaRPr lang="zh-CN" altLang="zh-CN"/>
           </a:p>
@@ -998,7 +993,6 @@
             </a:pPr>
             <a:fld id="{50FA7BE5-9B7D-4F20-881C-9A0B90E6FF72}" type="slidenum">
               <a:rPr lang="zh-CN" altLang="zh-CN" smtClean="0"/>
-              <a:t>8</a:t>
             </a:fld>
             <a:endParaRPr lang="zh-CN" altLang="zh-CN"/>
           </a:p>
@@ -1083,7 +1077,6 @@
             </a:pPr>
             <a:fld id="{50FA7BE5-9B7D-4F20-881C-9A0B90E6FF72}" type="slidenum">
               <a:rPr lang="zh-CN" altLang="zh-CN" smtClean="0"/>
-              <a:t>10</a:t>
             </a:fld>
             <a:endParaRPr lang="zh-CN" altLang="zh-CN"/>
           </a:p>
@@ -1168,7 +1161,6 @@
             </a:pPr>
             <a:fld id="{50FA7BE5-9B7D-4F20-881C-9A0B90E6FF72}" type="slidenum">
               <a:rPr lang="zh-CN" altLang="zh-CN" smtClean="0"/>
-              <a:t>11</a:t>
             </a:fld>
             <a:endParaRPr lang="zh-CN" altLang="zh-CN"/>
           </a:p>
@@ -1252,6 +1244,7 @@
               <a:rPr lang="zh-CN" altLang="en-US" dirty="0" smtClean="0"/>
               <a:t>单击此处编辑母版文本样式</a:t>
             </a:r>
+            <a:endParaRPr lang="zh-CN" altLang="en-US" dirty="0" smtClean="0"/>
           </a:p>
           <a:p>
             <a:pPr lvl="1"/>
@@ -1259,6 +1252,7 @@
               <a:rPr lang="zh-CN" altLang="en-US" dirty="0" smtClean="0"/>
               <a:t>第二级</a:t>
             </a:r>
+            <a:endParaRPr lang="zh-CN" altLang="en-US" dirty="0" smtClean="0"/>
           </a:p>
           <a:p>
             <a:pPr lvl="2"/>
@@ -1266,6 +1260,7 @@
               <a:rPr lang="zh-CN" altLang="en-US" dirty="0" smtClean="0"/>
               <a:t>第三级</a:t>
             </a:r>
+            <a:endParaRPr lang="zh-CN" altLang="en-US" dirty="0" smtClean="0"/>
           </a:p>
           <a:p>
             <a:pPr lvl="3"/>
@@ -1273,6 +1268,7 @@
               <a:rPr lang="zh-CN" altLang="en-US" dirty="0" smtClean="0"/>
               <a:t>第四级</a:t>
             </a:r>
+            <a:endParaRPr lang="zh-CN" altLang="en-US" dirty="0" smtClean="0"/>
           </a:p>
         </p:txBody>
       </p:sp>
@@ -1334,6 +1330,7 @@
               <a:rPr lang="zh-CN" altLang="en-US" dirty="0" smtClean="0"/>
               <a:t>单击此处编辑母版文本样式</a:t>
             </a:r>
+            <a:endParaRPr lang="zh-CN" altLang="en-US" dirty="0" smtClean="0"/>
           </a:p>
         </p:txBody>
       </p:sp>
@@ -1390,7 +1387,6 @@
           <a:p>
             <a:fld id="{2030C94F-1E7C-47E3-9C60-176A530B03BF}" type="slidenum">
               <a:rPr lang="en-US" altLang="zh-CN"/>
-              <a:t>‹#›</a:t>
             </a:fld>
             <a:endParaRPr lang="zh-CN" altLang="zh-CN" sz="3200" b="0"/>
           </a:p>
@@ -1481,6 +1477,7 @@
               <a:rPr lang="zh-CN" altLang="en-US" dirty="0" smtClean="0"/>
               <a:t>单击此处编辑母版文本样式</a:t>
             </a:r>
+            <a:endParaRPr lang="zh-CN" altLang="en-US" dirty="0" smtClean="0"/>
           </a:p>
           <a:p>
             <a:pPr lvl="1"/>
@@ -1488,6 +1485,7 @@
               <a:rPr lang="zh-CN" altLang="en-US" dirty="0" smtClean="0"/>
               <a:t>第二级</a:t>
             </a:r>
+            <a:endParaRPr lang="zh-CN" altLang="en-US" dirty="0" smtClean="0"/>
           </a:p>
           <a:p>
             <a:pPr lvl="2"/>
@@ -1495,6 +1493,7 @@
               <a:rPr lang="zh-CN" altLang="en-US" dirty="0" smtClean="0"/>
               <a:t>第三级</a:t>
             </a:r>
+            <a:endParaRPr lang="zh-CN" altLang="en-US" dirty="0" smtClean="0"/>
           </a:p>
           <a:p>
             <a:pPr lvl="3"/>
@@ -1502,6 +1501,7 @@
               <a:rPr lang="zh-CN" altLang="en-US" dirty="0" smtClean="0"/>
               <a:t>第四级</a:t>
             </a:r>
+            <a:endParaRPr lang="zh-CN" altLang="en-US" dirty="0" smtClean="0"/>
           </a:p>
         </p:txBody>
       </p:sp>
@@ -1559,6 +1559,7 @@
               <a:rPr lang="zh-CN" altLang="en-US" dirty="0" smtClean="0"/>
               <a:t>单击此处编辑母版文本样式</a:t>
             </a:r>
+            <a:endParaRPr lang="zh-CN" altLang="en-US" dirty="0" smtClean="0"/>
           </a:p>
         </p:txBody>
       </p:sp>
@@ -1640,6 +1641,7 @@
               <a:rPr lang="zh-CN" altLang="en-US" dirty="0" smtClean="0"/>
               <a:t>单击此处编辑母版文本样式</a:t>
             </a:r>
+            <a:endParaRPr lang="zh-CN" altLang="en-US" dirty="0" smtClean="0"/>
           </a:p>
           <a:p>
             <a:pPr lvl="1"/>
@@ -1647,6 +1649,7 @@
               <a:rPr lang="zh-CN" altLang="en-US" dirty="0" smtClean="0"/>
               <a:t>第二级</a:t>
             </a:r>
+            <a:endParaRPr lang="zh-CN" altLang="en-US" dirty="0" smtClean="0"/>
           </a:p>
           <a:p>
             <a:pPr lvl="2"/>
@@ -1654,6 +1657,7 @@
               <a:rPr lang="zh-CN" altLang="en-US" dirty="0" smtClean="0"/>
               <a:t>第三级</a:t>
             </a:r>
+            <a:endParaRPr lang="zh-CN" altLang="en-US" dirty="0" smtClean="0"/>
           </a:p>
           <a:p>
             <a:pPr lvl="3"/>
@@ -1661,6 +1665,7 @@
               <a:rPr lang="zh-CN" altLang="en-US" dirty="0" smtClean="0"/>
               <a:t>第四级</a:t>
             </a:r>
+            <a:endParaRPr lang="zh-CN" altLang="en-US" dirty="0" smtClean="0"/>
           </a:p>
         </p:txBody>
       </p:sp>
@@ -1718,6 +1723,7 @@
               <a:rPr lang="zh-CN" altLang="en-US" dirty="0" smtClean="0"/>
               <a:t>单击此处编辑母版文本样式</a:t>
             </a:r>
+            <a:endParaRPr lang="zh-CN" altLang="en-US" dirty="0" smtClean="0"/>
           </a:p>
         </p:txBody>
       </p:sp>
@@ -1799,6 +1805,7 @@
               <a:rPr lang="zh-CN" altLang="en-US" dirty="0" smtClean="0"/>
               <a:t>单击此处编辑母版文本样式</a:t>
             </a:r>
+            <a:endParaRPr lang="zh-CN" altLang="en-US" dirty="0" smtClean="0"/>
           </a:p>
           <a:p>
             <a:pPr lvl="1"/>
@@ -1806,6 +1813,7 @@
               <a:rPr lang="zh-CN" altLang="en-US" dirty="0" smtClean="0"/>
               <a:t>第二级</a:t>
             </a:r>
+            <a:endParaRPr lang="zh-CN" altLang="en-US" dirty="0" smtClean="0"/>
           </a:p>
           <a:p>
             <a:pPr lvl="2"/>
@@ -1813,6 +1821,7 @@
               <a:rPr lang="zh-CN" altLang="en-US" dirty="0" smtClean="0"/>
               <a:t>第三级</a:t>
             </a:r>
+            <a:endParaRPr lang="zh-CN" altLang="en-US" dirty="0" smtClean="0"/>
           </a:p>
           <a:p>
             <a:pPr lvl="3"/>
@@ -1820,6 +1829,7 @@
               <a:rPr lang="zh-CN" altLang="en-US" dirty="0" smtClean="0"/>
               <a:t>第四级</a:t>
             </a:r>
+            <a:endParaRPr lang="zh-CN" altLang="en-US" dirty="0" smtClean="0"/>
           </a:p>
         </p:txBody>
       </p:sp>
@@ -1877,6 +1887,7 @@
               <a:rPr lang="zh-CN" altLang="en-US" dirty="0" smtClean="0"/>
               <a:t>单击此处编辑母版文本样式</a:t>
             </a:r>
+            <a:endParaRPr lang="zh-CN" altLang="en-US" dirty="0" smtClean="0"/>
           </a:p>
         </p:txBody>
       </p:sp>
@@ -1958,6 +1969,7 @@
               <a:rPr lang="zh-CN" altLang="en-US" dirty="0" smtClean="0"/>
               <a:t>单击此处编辑母版文本样式</a:t>
             </a:r>
+            <a:endParaRPr lang="zh-CN" altLang="en-US" dirty="0" smtClean="0"/>
           </a:p>
           <a:p>
             <a:pPr lvl="1"/>
@@ -1965,6 +1977,7 @@
               <a:rPr lang="zh-CN" altLang="en-US" dirty="0" smtClean="0"/>
               <a:t>第二级</a:t>
             </a:r>
+            <a:endParaRPr lang="zh-CN" altLang="en-US" dirty="0" smtClean="0"/>
           </a:p>
           <a:p>
             <a:pPr lvl="2"/>
@@ -1972,6 +1985,7 @@
               <a:rPr lang="zh-CN" altLang="en-US" dirty="0" smtClean="0"/>
               <a:t>第三级</a:t>
             </a:r>
+            <a:endParaRPr lang="zh-CN" altLang="en-US" dirty="0" smtClean="0"/>
           </a:p>
           <a:p>
             <a:pPr lvl="3"/>
@@ -1979,6 +1993,7 @@
               <a:rPr lang="zh-CN" altLang="en-US" dirty="0" smtClean="0"/>
               <a:t>第四级</a:t>
             </a:r>
+            <a:endParaRPr lang="zh-CN" altLang="en-US" dirty="0" smtClean="0"/>
           </a:p>
         </p:txBody>
       </p:sp>
@@ -2036,6 +2051,7 @@
               <a:rPr lang="zh-CN" altLang="en-US" dirty="0" smtClean="0"/>
               <a:t>单击此处编辑母版文本样式</a:t>
             </a:r>
+            <a:endParaRPr lang="zh-CN" altLang="en-US" dirty="0" smtClean="0"/>
           </a:p>
         </p:txBody>
       </p:sp>
@@ -2117,6 +2133,7 @@
               <a:rPr lang="zh-CN" altLang="en-US" dirty="0" smtClean="0"/>
               <a:t>单击此处编辑母版文本样式</a:t>
             </a:r>
+            <a:endParaRPr lang="zh-CN" altLang="en-US" dirty="0" smtClean="0"/>
           </a:p>
           <a:p>
             <a:pPr lvl="1"/>
@@ -2124,6 +2141,7 @@
               <a:rPr lang="zh-CN" altLang="en-US" dirty="0" smtClean="0"/>
               <a:t>第二级</a:t>
             </a:r>
+            <a:endParaRPr lang="zh-CN" altLang="en-US" dirty="0" smtClean="0"/>
           </a:p>
           <a:p>
             <a:pPr lvl="2"/>
@@ -2131,6 +2149,7 @@
               <a:rPr lang="zh-CN" altLang="en-US" dirty="0" smtClean="0"/>
               <a:t>第三级</a:t>
             </a:r>
+            <a:endParaRPr lang="zh-CN" altLang="en-US" dirty="0" smtClean="0"/>
           </a:p>
           <a:p>
             <a:pPr lvl="3"/>
@@ -2138,6 +2157,7 @@
               <a:rPr lang="zh-CN" altLang="en-US" dirty="0" smtClean="0"/>
               <a:t>第四级</a:t>
             </a:r>
+            <a:endParaRPr lang="zh-CN" altLang="en-US" dirty="0" smtClean="0"/>
           </a:p>
         </p:txBody>
       </p:sp>
@@ -2195,6 +2215,7 @@
               <a:rPr lang="zh-CN" altLang="en-US" dirty="0" smtClean="0"/>
               <a:t>单击此处编辑母版文本样式</a:t>
             </a:r>
+            <a:endParaRPr lang="zh-CN" altLang="en-US" dirty="0" smtClean="0"/>
           </a:p>
         </p:txBody>
       </p:sp>
@@ -2276,6 +2297,7 @@
               <a:rPr lang="zh-CN" altLang="en-US" dirty="0" smtClean="0"/>
               <a:t>单击此处编辑母版文本样式</a:t>
             </a:r>
+            <a:endParaRPr lang="zh-CN" altLang="en-US" dirty="0" smtClean="0"/>
           </a:p>
           <a:p>
             <a:pPr lvl="1"/>
@@ -2283,6 +2305,7 @@
               <a:rPr lang="zh-CN" altLang="en-US" dirty="0" smtClean="0"/>
               <a:t>第二级</a:t>
             </a:r>
+            <a:endParaRPr lang="zh-CN" altLang="en-US" dirty="0" smtClean="0"/>
           </a:p>
           <a:p>
             <a:pPr lvl="2"/>
@@ -2290,6 +2313,7 @@
               <a:rPr lang="zh-CN" altLang="en-US" dirty="0" smtClean="0"/>
               <a:t>第三级</a:t>
             </a:r>
+            <a:endParaRPr lang="zh-CN" altLang="en-US" dirty="0" smtClean="0"/>
           </a:p>
           <a:p>
             <a:pPr lvl="3"/>
@@ -2297,6 +2321,7 @@
               <a:rPr lang="zh-CN" altLang="en-US" dirty="0" smtClean="0"/>
               <a:t>第四级</a:t>
             </a:r>
+            <a:endParaRPr lang="zh-CN" altLang="en-US" dirty="0" smtClean="0"/>
           </a:p>
         </p:txBody>
       </p:sp>
@@ -2354,6 +2379,7 @@
               <a:rPr lang="zh-CN" altLang="en-US" dirty="0" smtClean="0"/>
               <a:t>单击此处编辑母版文本样式</a:t>
             </a:r>
+            <a:endParaRPr lang="zh-CN" altLang="en-US" dirty="0" smtClean="0"/>
           </a:p>
         </p:txBody>
       </p:sp>
@@ -2435,6 +2461,7 @@
               <a:rPr lang="zh-CN" altLang="en-US" dirty="0" smtClean="0"/>
               <a:t>单击此处编辑母版文本样式</a:t>
             </a:r>
+            <a:endParaRPr lang="zh-CN" altLang="en-US" dirty="0" smtClean="0"/>
           </a:p>
           <a:p>
             <a:pPr lvl="1"/>
@@ -2442,6 +2469,7 @@
               <a:rPr lang="zh-CN" altLang="en-US" dirty="0" smtClean="0"/>
               <a:t>第二级</a:t>
             </a:r>
+            <a:endParaRPr lang="zh-CN" altLang="en-US" dirty="0" smtClean="0"/>
           </a:p>
           <a:p>
             <a:pPr lvl="2"/>
@@ -2449,6 +2477,7 @@
               <a:rPr lang="zh-CN" altLang="en-US" dirty="0" smtClean="0"/>
               <a:t>第三级</a:t>
             </a:r>
+            <a:endParaRPr lang="zh-CN" altLang="en-US" dirty="0" smtClean="0"/>
           </a:p>
           <a:p>
             <a:pPr lvl="3"/>
@@ -2456,6 +2485,7 @@
               <a:rPr lang="zh-CN" altLang="en-US" dirty="0" smtClean="0"/>
               <a:t>第四级</a:t>
             </a:r>
+            <a:endParaRPr lang="zh-CN" altLang="en-US" dirty="0" smtClean="0"/>
           </a:p>
         </p:txBody>
       </p:sp>
@@ -2517,6 +2547,7 @@
               <a:rPr lang="zh-CN" altLang="en-US" dirty="0" smtClean="0"/>
               <a:t>单击此处编辑母版文本样式</a:t>
             </a:r>
+            <a:endParaRPr lang="zh-CN" altLang="en-US" dirty="0" smtClean="0"/>
           </a:p>
         </p:txBody>
       </p:sp>
@@ -2534,7 +2565,7 @@
     <p:bg bwMode="auto">
       <p:bgPr>
         <a:blipFill dpi="0" rotWithShape="0">
-          <a:blip r:embed="rId11"/>
+          <a:blip r:embed="rId10"/>
           <a:srcRect/>
           <a:stretch>
             <a:fillRect/>
@@ -2593,7 +2624,6 @@
           <a:p>
             <a:fld id="{43A45880-9E2A-43E4-955C-AEB11E14255E}" type="slidenum">
               <a:rPr lang="en-US" altLang="zh-CN"/>
-              <a:t>‹#›</a:t>
             </a:fld>
             <a:endParaRPr lang="zh-CN" altLang="zh-CN"/>
           </a:p>
@@ -2608,7 +2638,7 @@
           <p:nvPr/>
         </p:nvPicPr>
         <p:blipFill>
-          <a:blip r:embed="rId12">
+          <a:blip r:embed="rId11">
             <a:extLst>
               <a:ext uri="{28A0092B-C50C-407E-A947-70E740481C1C}">
                 <a14:useLocalDpi xmlns:a14="http://schemas.microsoft.com/office/drawing/2010/main" val="0"/>
@@ -2662,7 +2692,7 @@
           <p:nvPr/>
         </p:nvPicPr>
         <p:blipFill>
-          <a:blip r:embed="rId13">
+          <a:blip r:embed="rId12">
             <a:extLst>
               <a:ext uri="{28A0092B-C50C-407E-A947-70E740481C1C}">
                 <a14:useLocalDpi xmlns:a14="http://schemas.microsoft.com/office/drawing/2010/main" val="0"/>
@@ -3175,7 +3205,7 @@
           <p:nvPr/>
         </p:nvPicPr>
         <p:blipFill>
-          <a:blip r:embed="rId2">
+          <a:blip r:embed="rId1">
             <a:extLst>
               <a:ext uri="{28A0092B-C50C-407E-A947-70E740481C1C}">
                 <a14:useLocalDpi xmlns:a14="http://schemas.microsoft.com/office/drawing/2010/main" val="0"/>
@@ -3474,7 +3504,7 @@
           <p:nvPr/>
         </p:nvPicPr>
         <p:blipFill>
-          <a:blip r:embed="rId3">
+          <a:blip r:embed="rId2">
             <a:extLst>
               <a:ext uri="{28A0092B-C50C-407E-A947-70E740481C1C}">
                 <a14:useLocalDpi xmlns:a14="http://schemas.microsoft.com/office/drawing/2010/main" val="0"/>
@@ -3883,7 +3913,7 @@
           <p:nvPr/>
         </p:nvPicPr>
         <p:blipFill>
-          <a:blip r:embed="rId3"/>
+          <a:blip r:embed="rId1"/>
           <a:srcRect l="6634" b="25062"/>
           <a:stretch>
             <a:fillRect/>
@@ -3908,7 +3938,7 @@
           <p:nvPr/>
         </p:nvPicPr>
         <p:blipFill>
-          <a:blip r:embed="rId4"/>
+          <a:blip r:embed="rId2"/>
           <a:srcRect b="13422"/>
           <a:stretch>
             <a:fillRect/>
@@ -3933,7 +3963,7 @@
           <p:nvPr/>
         </p:nvPicPr>
         <p:blipFill>
-          <a:blip r:embed="rId5"/>
+          <a:blip r:embed="rId3"/>
           <a:stretch>
             <a:fillRect/>
           </a:stretch>
@@ -3981,6 +4011,13 @@
               </a:rPr>
               <a:t>不同方式创建的对象的原型都是什么？</a:t>
             </a:r>
+            <a:endParaRPr lang="zh-CN" sz="2200">
+              <a:solidFill>
+                <a:srgbClr val="FF0000"/>
+              </a:solidFill>
+              <a:latin typeface="+mn-ea"/>
+              <a:ea typeface="+mn-ea"/>
+            </a:endParaRPr>
           </a:p>
         </p:txBody>
       </p:sp>
@@ -4796,6 +4833,9 @@
               </a:rPr>
               <a:t>对象相关操作</a:t>
             </a:r>
+            <a:endParaRPr lang="zh-CN" altLang="en-US" dirty="0" smtClean="0">
+              <a:sym typeface="+mn-ea"/>
+            </a:endParaRPr>
           </a:p>
         </p:txBody>
       </p:sp>
@@ -4852,6 +4892,13 @@
               </a:rPr>
               <a:t>对象属性相关操作</a:t>
             </a:r>
+            <a:endParaRPr lang="zh-CN" altLang="en-US" sz="2200">
+              <a:solidFill>
+                <a:srgbClr val="FF0000"/>
+              </a:solidFill>
+              <a:latin typeface="+mn-ea"/>
+              <a:ea typeface="+mn-ea"/>
+            </a:endParaRPr>
           </a:p>
         </p:txBody>
       </p:sp>
@@ -4864,7 +4911,7 @@
           <p:nvPr/>
         </p:nvPicPr>
         <p:blipFill>
-          <a:blip r:embed="rId3"/>
+          <a:blip r:embed="rId1"/>
           <a:stretch>
             <a:fillRect/>
           </a:stretch>
@@ -5218,14 +5265,14 @@
       </p:grpSpPr>
       <p:pic>
         <p:nvPicPr>
-          <p:cNvPr id="11266" name="Picture 5"/>
+          <p:cNvPr id="38914" name="Picture 5"/>
           <p:cNvPicPr>
             <a:picLocks noChangeAspect="1" noChangeArrowheads="1"/>
           </p:cNvPicPr>
           <p:nvPr/>
         </p:nvPicPr>
         <p:blipFill>
-          <a:blip r:embed="rId2" cstate="print">
+          <a:blip r:embed="rId1">
             <a:extLst>
               <a:ext uri="{28A0092B-C50C-407E-A947-70E740481C1C}">
                 <a14:useLocalDpi xmlns:a14="http://schemas.microsoft.com/office/drawing/2010/main" val="0"/>
@@ -5272,7 +5319,7 @@
       </p:pic>
       <p:sp>
         <p:nvSpPr>
-          <p:cNvPr id="11267" name="Rectangle 6"/>
+          <p:cNvPr id="38915" name="Rectangle 6"/>
           <p:cNvSpPr>
             <a:spLocks noGrp="1" noChangeArrowheads="1"/>
           </p:cNvSpPr>
@@ -5282,8 +5329,8 @@
         </p:nvSpPr>
         <p:spPr bwMode="auto">
           <a:xfrm>
-            <a:off x="2095501" y="3143251"/>
-            <a:ext cx="7362825" cy="1285875"/>
+            <a:off x="2547041" y="3068835"/>
+            <a:ext cx="7097918" cy="1285875"/>
           </a:xfrm>
           <a:prstGeom prst="rect">
             <a:avLst/>
@@ -5315,42 +5362,35 @@
           <a:p>
             <a:pPr algn="ctr" eaLnBrk="1" hangingPunct="1"/>
             <a:r>
-              <a:rPr lang="en-US" altLang="zh-CN" sz="5400">
-                <a:solidFill>
-                  <a:schemeClr val="tx2"/>
-                </a:solidFill>
-              </a:rPr>
-              <a:t>Have a</a:t>
-            </a:r>
-            <a:r>
-              <a:rPr lang="en-US" altLang="zh-CN" sz="5400">
-                <a:solidFill>
-                  <a:schemeClr val="accent3"/>
-                </a:solidFill>
-              </a:rPr>
-              <a:t> Break</a:t>
-            </a:r>
-            <a:r>
-              <a:rPr lang="zh-CN" altLang="en-US" sz="5400">
-                <a:solidFill>
-                  <a:schemeClr val="tx2"/>
-                </a:solidFill>
-              </a:rPr>
+              <a:rPr kumimoji="0" lang="en-US" altLang="zh-CN" sz="5400" dirty="0"/>
+              <a:t>Thank </a:t>
+            </a:r>
+            <a:r>
+              <a:rPr kumimoji="0" lang="en-US" altLang="zh-CN" sz="5400" dirty="0">
+                <a:solidFill>
+                  <a:srgbClr val="FF0000"/>
+                </a:solidFill>
+              </a:rPr>
+              <a:t>You</a:t>
+            </a:r>
+            <a:r>
+              <a:rPr kumimoji="0" lang="zh-CN" altLang="en-US" sz="5400" dirty="0"/>
               <a:t>！</a:t>
             </a:r>
+            <a:endParaRPr kumimoji="0" lang="zh-CN" altLang="zh-CN" sz="5400" dirty="0"/>
           </a:p>
         </p:txBody>
       </p:sp>
       <p:pic>
         <p:nvPicPr>
-          <p:cNvPr id="11268" name="图片 3" descr="软院logo横版.png"/>
+          <p:cNvPr id="38916" name="图片 3" descr="软院logo横版.png"/>
           <p:cNvPicPr>
             <a:picLocks noChangeAspect="1"/>
           </p:cNvPicPr>
           <p:nvPr/>
         </p:nvPicPr>
         <p:blipFill>
-          <a:blip r:embed="rId3" cstate="print">
+          <a:blip r:embed="rId2">
             <a:extLst>
               <a:ext uri="{28A0092B-C50C-407E-A947-70E740481C1C}">
                 <a14:useLocalDpi xmlns:a14="http://schemas.microsoft.com/office/drawing/2010/main" val="0"/>
@@ -5636,6 +5676,9 @@
               </a:rPr>
               <a:t>对象的属性</a:t>
             </a:r>
+            <a:endParaRPr lang="zh-CN" altLang="en-US" sz="2800" b="1">
+              <a:sym typeface="+mn-ea"/>
+            </a:endParaRPr>
           </a:p>
           <a:p>
             <a:pPr algn="l">
@@ -6077,6 +6120,12 @@
               </a:rPr>
               <a:t>函数作为某一个对象的属性时，称其为该对象的方法</a:t>
             </a:r>
+            <a:endParaRPr kumimoji="0" lang="zh-CN" altLang="en-US" sz="2000" dirty="0" smtClean="0">
+              <a:solidFill>
+                <a:schemeClr val="tx1"/>
+              </a:solidFill>
+              <a:sym typeface="+mn-ea"/>
+            </a:endParaRPr>
           </a:p>
           <a:p>
             <a:pPr marL="168275" lvl="1" indent="0">
@@ -6212,6 +6261,13 @@
               </a:rPr>
               <a:t>对象练习</a:t>
             </a:r>
+            <a:endParaRPr lang="zh-CN" altLang="en-US" sz="2200">
+              <a:solidFill>
+                <a:srgbClr val="FF0000"/>
+              </a:solidFill>
+              <a:latin typeface="+mn-ea"/>
+              <a:ea typeface="+mn-ea"/>
+            </a:endParaRPr>
           </a:p>
         </p:txBody>
       </p:sp>
@@ -6224,7 +6280,7 @@
           <p:nvPr/>
         </p:nvPicPr>
         <p:blipFill>
-          <a:blip r:embed="rId3"/>
+          <a:blip r:embed="rId1"/>
           <a:stretch>
             <a:fillRect/>
           </a:stretch>
@@ -6248,7 +6304,7 @@
           <p:nvPr/>
         </p:nvPicPr>
         <p:blipFill>
-          <a:blip r:embed="rId4"/>
+          <a:blip r:embed="rId2"/>
           <a:stretch>
             <a:fillRect/>
           </a:stretch>
@@ -6878,15 +6934,6 @@
               </a:rPr>
               <a:t>）</a:t>
             </a:r>
-            <a:r>
-              <a:rPr kumimoji="0" lang="zh-CN" altLang="en-US" sz="2000" dirty="0" smtClean="0">
-                <a:solidFill>
-                  <a:schemeClr val="accent3"/>
-                </a:solidFill>
-                <a:sym typeface="+mn-ea"/>
-              </a:rPr>
-              <a:t/>
-            </a:r>
             <a:br>
               <a:rPr kumimoji="0" lang="zh-CN" altLang="en-US" sz="2000" dirty="0" smtClean="0">
                 <a:solidFill>
@@ -6949,6 +6996,12 @@
               </a:rPr>
               <a:t>代码创建的对象</a:t>
             </a:r>
+            <a:endParaRPr kumimoji="0" lang="zh-CN" altLang="en-US" sz="2000" dirty="0" smtClean="0">
+              <a:solidFill>
+                <a:schemeClr val="tx1"/>
+              </a:solidFill>
+              <a:sym typeface="+mn-ea"/>
+            </a:endParaRPr>
           </a:p>
           <a:p>
             <a:pPr marL="168275" lvl="1" indent="0">
@@ -7020,7 +7073,7 @@
           <p:nvPr/>
         </p:nvPicPr>
         <p:blipFill>
-          <a:blip r:embed="rId3"/>
+          <a:blip r:embed="rId1"/>
           <a:srcRect l="4409" r="22631" b="28791"/>
           <a:stretch>
             <a:fillRect/>
@@ -7151,6 +7204,13 @@
               </a:rPr>
               <a:t>，构造器函数对象（类对象）</a:t>
             </a:r>
+            <a:endParaRPr lang="zh-CN" altLang="en-US" sz="2200">
+              <a:solidFill>
+                <a:schemeClr val="tx1"/>
+              </a:solidFill>
+              <a:latin typeface="+mn-ea"/>
+              <a:ea typeface="+mn-ea"/>
+            </a:endParaRPr>
           </a:p>
           <a:p>
             <a:pPr algn="l"/>
@@ -7174,6 +7234,13 @@
               </a:rPr>
               <a:t>，非构造器对象</a:t>
             </a:r>
+            <a:endParaRPr lang="zh-CN" altLang="en-US" sz="2200">
+              <a:solidFill>
+                <a:schemeClr val="tx1"/>
+              </a:solidFill>
+              <a:latin typeface="+mn-ea"/>
+              <a:ea typeface="+mn-ea"/>
+            </a:endParaRPr>
           </a:p>
           <a:p>
             <a:pPr algn="l"/>
@@ -7266,6 +7333,13 @@
               </a:rPr>
               <a:t>typeof Function</a:t>
             </a:r>
+            <a:endParaRPr lang="en-US" altLang="zh-CN" sz="2200">
+              <a:solidFill>
+                <a:schemeClr val="tx1"/>
+              </a:solidFill>
+              <a:latin typeface="+mn-ea"/>
+              <a:ea typeface="+mn-ea"/>
+            </a:endParaRPr>
           </a:p>
           <a:p>
             <a:pPr algn="l"/>
@@ -7338,6 +7412,13 @@
               </a:rPr>
               <a:t>typeof Math</a:t>
             </a:r>
+            <a:endParaRPr lang="en-US" altLang="zh-CN" sz="2200">
+              <a:solidFill>
+                <a:schemeClr val="tx1"/>
+              </a:solidFill>
+              <a:latin typeface="+mn-ea"/>
+              <a:ea typeface="+mn-ea"/>
+            </a:endParaRPr>
           </a:p>
           <a:p>
             <a:pPr algn="l"/>
@@ -7371,6 +7452,13 @@
               </a:rPr>
               <a:t>typeof JSON</a:t>
             </a:r>
+            <a:endParaRPr lang="en-US" altLang="zh-CN" sz="2200">
+              <a:solidFill>
+                <a:schemeClr val="tx1"/>
+              </a:solidFill>
+              <a:latin typeface="+mn-ea"/>
+              <a:ea typeface="+mn-ea"/>
+            </a:endParaRPr>
           </a:p>
         </p:txBody>
       </p:sp>
@@ -7901,7 +7989,7 @@
           <p:nvPr/>
         </p:nvPicPr>
         <p:blipFill>
-          <a:blip r:embed="rId3"/>
+          <a:blip r:embed="rId1"/>
           <a:stretch>
             <a:fillRect/>
           </a:stretch>
@@ -8381,6 +8469,11 @@
               </a:rPr>
               <a:t>对象简介</a:t>
             </a:r>
+            <a:endParaRPr lang="zh-CN" altLang="en-US" sz="2800" b="1">
+              <a:solidFill>
+                <a:schemeClr val="tx1"/>
+              </a:solidFill>
+            </a:endParaRPr>
           </a:p>
           <a:p>
             <a:pPr algn="l">
@@ -8417,6 +8510,12 @@
               </a:rPr>
               <a:t>对象的属性</a:t>
             </a:r>
+            <a:endParaRPr lang="zh-CN" altLang="en-US" sz="2800" b="1">
+              <a:solidFill>
+                <a:schemeClr val="accent3"/>
+              </a:solidFill>
+              <a:sym typeface="+mn-ea"/>
+            </a:endParaRPr>
           </a:p>
           <a:p>
             <a:pPr algn="l">
@@ -8846,14 +8945,6 @@
               </a:rPr>
               <a:t>注意：访问和设置时不加括号</a:t>
             </a:r>
-            <a:r>
-              <a:rPr lang="zh-CN" altLang="en-US" sz="2000" dirty="0">
-                <a:solidFill>
-                  <a:schemeClr val="tx1"/>
-                </a:solidFill>
-              </a:rPr>
-              <a:t/>
-            </a:r>
             <a:br>
               <a:rPr lang="zh-CN" altLang="en-US" sz="2000" dirty="0">
                 <a:solidFill>
@@ -9040,6 +9131,13 @@
               </a:rPr>
               <a:t> </a:t>
             </a:r>
+            <a:endParaRPr lang="en-US" altLang="zh-CN" sz="2200">
+              <a:solidFill>
+                <a:srgbClr val="FF0000"/>
+              </a:solidFill>
+              <a:latin typeface="+mn-ea"/>
+              <a:ea typeface="+mn-ea"/>
+            </a:endParaRPr>
           </a:p>
         </p:txBody>
       </p:sp>
@@ -9125,6 +9223,14 @@
               </a:rPr>
               <a:t> </a:t>
             </a:r>
+            <a:endParaRPr lang="en-US" altLang="zh-CN" sz="2200">
+              <a:solidFill>
+                <a:srgbClr val="FF0000"/>
+              </a:solidFill>
+              <a:latin typeface="+mn-ea"/>
+              <a:ea typeface="+mn-ea"/>
+              <a:sym typeface="+mn-ea"/>
+            </a:endParaRPr>
           </a:p>
           <a:p>
             <a:pPr algn="l"/>
@@ -9227,7 +9333,7 @@
           <p:nvPr/>
         </p:nvPicPr>
         <p:blipFill>
-          <a:blip r:embed="rId3"/>
+          <a:blip r:embed="rId1"/>
           <a:stretch>
             <a:fillRect/>
           </a:stretch>
@@ -9703,14 +9809,6 @@
               </a:rPr>
               <a:t>对象访问器属性实例</a:t>
             </a:r>
-            <a:r>
-              <a:rPr lang="zh-CN" altLang="en-US" sz="2000" dirty="0">
-                <a:solidFill>
-                  <a:schemeClr val="tx1"/>
-                </a:solidFill>
-              </a:rPr>
-              <a:t/>
-            </a:r>
             <a:br>
               <a:rPr lang="zh-CN" altLang="en-US" sz="2000" dirty="0">
                 <a:solidFill>
@@ -9861,6 +9959,13 @@
               </a:rPr>
               <a:t> </a:t>
             </a:r>
+            <a:endParaRPr lang="en-US" altLang="zh-CN" sz="2200">
+              <a:solidFill>
+                <a:srgbClr val="FF0000"/>
+              </a:solidFill>
+              <a:latin typeface="+mn-ea"/>
+              <a:ea typeface="+mn-ea"/>
+            </a:endParaRPr>
           </a:p>
         </p:txBody>
       </p:sp>
@@ -9941,6 +10046,13 @@
               </a:rPr>
               <a:t> </a:t>
             </a:r>
+            <a:endParaRPr lang="en-US" altLang="zh-CN" sz="2200">
+              <a:solidFill>
+                <a:srgbClr val="FF0000"/>
+              </a:solidFill>
+              <a:latin typeface="+mn-ea"/>
+              <a:ea typeface="+mn-ea"/>
+            </a:endParaRPr>
           </a:p>
         </p:txBody>
       </p:sp>
@@ -9953,7 +10065,7 @@
           <p:nvPr/>
         </p:nvPicPr>
         <p:blipFill>
-          <a:blip r:embed="rId3"/>
+          <a:blip r:embed="rId1"/>
           <a:stretch>
             <a:fillRect/>
           </a:stretch>
@@ -10460,6 +10572,11 @@
               </a:rPr>
               <a:t>对象简介</a:t>
             </a:r>
+            <a:endParaRPr lang="zh-CN" altLang="en-US" sz="2800" b="1">
+              <a:solidFill>
+                <a:schemeClr val="tx1"/>
+              </a:solidFill>
+            </a:endParaRPr>
           </a:p>
           <a:p>
             <a:pPr algn="l">
@@ -10496,6 +10613,12 @@
               </a:rPr>
               <a:t>对象的属性</a:t>
             </a:r>
+            <a:endParaRPr lang="zh-CN" altLang="en-US" sz="2800" b="1">
+              <a:solidFill>
+                <a:schemeClr val="tx1"/>
+              </a:solidFill>
+              <a:sym typeface="+mn-ea"/>
+            </a:endParaRPr>
           </a:p>
           <a:p>
             <a:pPr algn="l">
@@ -10532,6 +10655,12 @@
               </a:rPr>
               <a:t>对象相关操作</a:t>
             </a:r>
+            <a:endParaRPr lang="zh-CN" altLang="en-US" sz="2800" b="1">
+              <a:solidFill>
+                <a:schemeClr val="accent3"/>
+              </a:solidFill>
+              <a:sym typeface="+mn-ea"/>
+            </a:endParaRPr>
           </a:p>
         </p:txBody>
       </p:sp>
@@ -11102,10 +11231,9 @@
       </a:lstStyle>
     </a:lnDef>
   </a:objectDefaults>
-  <a:extraClrSchemeLst/>
   <a:extLst>
     <a:ext uri="{05A4C25C-085E-4340-85A3-A5531E510DB2}">
-      <thm15:themeFamily xmlns="" xmlns:thm15="http://schemas.microsoft.com/office/thememl/2012/main" name="Office Theme" id="{62F939B6-93AF-4DB8-9C6B-D6C7DFDC589F}" vid="{4A3C46E8-61CC-4603-A589-7422A47A8E4A}"/>
+      <thm15:themeFamily xmlns:thm15="http://schemas.microsoft.com/office/thememl/2012/main" name="Office Theme" id="{62F939B6-93AF-4DB8-9C6B-D6C7DFDC589F}" vid="{4A3C46E8-61CC-4603-A589-7422A47A8E4A}"/>
     </a:ext>
   </a:extLst>
 </a:theme>
@@ -11389,11 +11517,9 @@
       </a:bgFillStyleLst>
     </a:fmtScheme>
   </a:themeElements>
-  <a:objectDefaults/>
-  <a:extraClrSchemeLst/>
   <a:extLst>
     <a:ext uri="{05A4C25C-085E-4340-85A3-A5531E510DB2}">
-      <thm15:themeFamily xmlns="" xmlns:thm15="http://schemas.microsoft.com/office/thememl/2012/main" name="Office Theme" id="{62F939B6-93AF-4DB8-9C6B-D6C7DFDC589F}" vid="{4A3C46E8-61CC-4603-A589-7422A47A8E4A}"/>
+      <thm15:themeFamily xmlns:thm15="http://schemas.microsoft.com/office/thememl/2012/main" name="Office Theme" id="{62F939B6-93AF-4DB8-9C6B-D6C7DFDC589F}" vid="{4A3C46E8-61CC-4603-A589-7422A47A8E4A}"/>
     </a:ext>
   </a:extLst>
 </a:theme>
